--- a/ドキュメント.pptx
+++ b/ドキュメント.pptx
@@ -7,6 +7,8 @@
   <p:sldIdLst>
     <p:sldId id="256" r:id="rId2"/>
     <p:sldId id="257" r:id="rId3"/>
+    <p:sldId id="258" r:id="rId4"/>
+    <p:sldId id="259" r:id="rId5"/>
   </p:sldIdLst>
   <p:sldSz cx="12192000" cy="6858000"/>
   <p:notesSz cx="6858000" cy="9144000"/>
@@ -255,7 +257,7 @@
           <a:p>
             <a:fld id="{B8FD6A22-7C23-45A0-85A2-8D55E7EBA631}" type="datetimeFigureOut">
               <a:rPr kumimoji="1" lang="ja-JP" altLang="en-US" smtClean="0"/>
-              <a:t>2025/2/4</a:t>
+              <a:t>2025/3/9</a:t>
             </a:fld>
             <a:endParaRPr kumimoji="1" lang="ja-JP" altLang="en-US"/>
           </a:p>
@@ -457,7 +459,7 @@
           <a:p>
             <a:fld id="{B8FD6A22-7C23-45A0-85A2-8D55E7EBA631}" type="datetimeFigureOut">
               <a:rPr kumimoji="1" lang="ja-JP" altLang="en-US" smtClean="0"/>
-              <a:t>2025/2/4</a:t>
+              <a:t>2025/3/9</a:t>
             </a:fld>
             <a:endParaRPr kumimoji="1" lang="ja-JP" altLang="en-US"/>
           </a:p>
@@ -669,7 +671,7 @@
           <a:p>
             <a:fld id="{B8FD6A22-7C23-45A0-85A2-8D55E7EBA631}" type="datetimeFigureOut">
               <a:rPr kumimoji="1" lang="ja-JP" altLang="en-US" smtClean="0"/>
-              <a:t>2025/2/4</a:t>
+              <a:t>2025/3/9</a:t>
             </a:fld>
             <a:endParaRPr kumimoji="1" lang="ja-JP" altLang="en-US"/>
           </a:p>
@@ -871,7 +873,7 @@
           <a:p>
             <a:fld id="{B8FD6A22-7C23-45A0-85A2-8D55E7EBA631}" type="datetimeFigureOut">
               <a:rPr kumimoji="1" lang="ja-JP" altLang="en-US" smtClean="0"/>
-              <a:t>2025/2/4</a:t>
+              <a:t>2025/3/9</a:t>
             </a:fld>
             <a:endParaRPr kumimoji="1" lang="ja-JP" altLang="en-US"/>
           </a:p>
@@ -1117,7 +1119,7 @@
           <a:p>
             <a:fld id="{B8FD6A22-7C23-45A0-85A2-8D55E7EBA631}" type="datetimeFigureOut">
               <a:rPr kumimoji="1" lang="ja-JP" altLang="en-US" smtClean="0"/>
-              <a:t>2025/2/4</a:t>
+              <a:t>2025/3/9</a:t>
             </a:fld>
             <a:endParaRPr kumimoji="1" lang="ja-JP" altLang="en-US"/>
           </a:p>
@@ -1413,7 +1415,7 @@
           <a:p>
             <a:fld id="{B8FD6A22-7C23-45A0-85A2-8D55E7EBA631}" type="datetimeFigureOut">
               <a:rPr kumimoji="1" lang="ja-JP" altLang="en-US" smtClean="0"/>
-              <a:t>2025/2/4</a:t>
+              <a:t>2025/3/9</a:t>
             </a:fld>
             <a:endParaRPr kumimoji="1" lang="ja-JP" altLang="en-US"/>
           </a:p>
@@ -1844,7 +1846,7 @@
           <a:p>
             <a:fld id="{B8FD6A22-7C23-45A0-85A2-8D55E7EBA631}" type="datetimeFigureOut">
               <a:rPr kumimoji="1" lang="ja-JP" altLang="en-US" smtClean="0"/>
-              <a:t>2025/2/4</a:t>
+              <a:t>2025/3/9</a:t>
             </a:fld>
             <a:endParaRPr kumimoji="1" lang="ja-JP" altLang="en-US"/>
           </a:p>
@@ -1962,7 +1964,7 @@
           <a:p>
             <a:fld id="{B8FD6A22-7C23-45A0-85A2-8D55E7EBA631}" type="datetimeFigureOut">
               <a:rPr kumimoji="1" lang="ja-JP" altLang="en-US" smtClean="0"/>
-              <a:t>2025/2/4</a:t>
+              <a:t>2025/3/9</a:t>
             </a:fld>
             <a:endParaRPr kumimoji="1" lang="ja-JP" altLang="en-US"/>
           </a:p>
@@ -2057,7 +2059,7 @@
           <a:p>
             <a:fld id="{B8FD6A22-7C23-45A0-85A2-8D55E7EBA631}" type="datetimeFigureOut">
               <a:rPr kumimoji="1" lang="ja-JP" altLang="en-US" smtClean="0"/>
-              <a:t>2025/2/4</a:t>
+              <a:t>2025/3/9</a:t>
             </a:fld>
             <a:endParaRPr kumimoji="1" lang="ja-JP" altLang="en-US"/>
           </a:p>
@@ -2366,7 +2368,7 @@
           <a:p>
             <a:fld id="{B8FD6A22-7C23-45A0-85A2-8D55E7EBA631}" type="datetimeFigureOut">
               <a:rPr kumimoji="1" lang="ja-JP" altLang="en-US" smtClean="0"/>
-              <a:t>2025/2/4</a:t>
+              <a:t>2025/3/9</a:t>
             </a:fld>
             <a:endParaRPr kumimoji="1" lang="ja-JP" altLang="en-US"/>
           </a:p>
@@ -2619,7 +2621,7 @@
           <a:p>
             <a:fld id="{B8FD6A22-7C23-45A0-85A2-8D55E7EBA631}" type="datetimeFigureOut">
               <a:rPr kumimoji="1" lang="ja-JP" altLang="en-US" smtClean="0"/>
-              <a:t>2025/2/4</a:t>
+              <a:t>2025/3/9</a:t>
             </a:fld>
             <a:endParaRPr kumimoji="1" lang="ja-JP" altLang="en-US"/>
           </a:p>
@@ -2864,7 +2866,7 @@
           <a:p>
             <a:fld id="{B8FD6A22-7C23-45A0-85A2-8D55E7EBA631}" type="datetimeFigureOut">
               <a:rPr kumimoji="1" lang="ja-JP" altLang="en-US" smtClean="0"/>
-              <a:t>2025/2/4</a:t>
+              <a:t>2025/3/9</a:t>
             </a:fld>
             <a:endParaRPr kumimoji="1" lang="ja-JP" altLang="en-US"/>
           </a:p>
@@ -5900,6 +5902,1459 @@
 </p:sld>
 </file>
 
+<file path=ppt/slides/slide3.xml><?xml version="1.0" encoding="utf-8"?>
+<p:sld xmlns:a="http://schemas.openxmlformats.org/drawingml/2006/main" xmlns:r="http://schemas.openxmlformats.org/officeDocument/2006/relationships" xmlns:p="http://schemas.openxmlformats.org/presentationml/2006/main">
+  <p:cSld>
+    <p:spTree>
+      <p:nvGrpSpPr>
+        <p:cNvPr id="1" name=""/>
+        <p:cNvGrpSpPr/>
+        <p:nvPr/>
+      </p:nvGrpSpPr>
+      <p:grpSpPr>
+        <a:xfrm>
+          <a:off x="0" y="0"/>
+          <a:ext cx="0" cy="0"/>
+          <a:chOff x="0" y="0"/>
+          <a:chExt cx="0" cy="0"/>
+        </a:xfrm>
+      </p:grpSpPr>
+      <p:sp>
+        <p:nvSpPr>
+          <p:cNvPr id="2" name="テキスト ボックス 1"/>
+          <p:cNvSpPr txBox="1"/>
+          <p:nvPr/>
+        </p:nvSpPr>
+        <p:spPr>
+          <a:xfrm>
+            <a:off x="1460871" y="784751"/>
+            <a:ext cx="2286203" cy="769441"/>
+          </a:xfrm>
+          <a:prstGeom prst="rect">
+            <a:avLst/>
+          </a:prstGeom>
+          <a:noFill/>
+        </p:spPr>
+        <p:txBody>
+          <a:bodyPr wrap="none" rtlCol="0">
+            <a:spAutoFit/>
+          </a:bodyPr>
+          <a:lstStyle/>
+          <a:p>
+            <a:r>
+              <a:rPr lang="en-US" altLang="ja-JP" sz="4400" dirty="0" smtClean="0">
+                <a:ln>
+                  <a:solidFill>
+                    <a:srgbClr val="FFFF00"/>
+                  </a:solidFill>
+                </a:ln>
+                <a:latin typeface="Arial Black" panose="020B0A04020102020204" pitchFamily="34" charset="0"/>
+              </a:rPr>
+              <a:t>CLEAR</a:t>
+            </a:r>
+            <a:endParaRPr kumimoji="1" lang="ja-JP" altLang="en-US" sz="4400" dirty="0">
+              <a:ln>
+                <a:solidFill>
+                  <a:srgbClr val="FFFF00"/>
+                </a:solidFill>
+              </a:ln>
+              <a:latin typeface="Arial Black" panose="020B0A04020102020204" pitchFamily="34" charset="0"/>
+            </a:endParaRPr>
+          </a:p>
+        </p:txBody>
+      </p:sp>
+      <p:sp>
+        <p:nvSpPr>
+          <p:cNvPr id="3" name="テキスト ボックス 2"/>
+          <p:cNvSpPr txBox="1"/>
+          <p:nvPr/>
+        </p:nvSpPr>
+        <p:spPr>
+          <a:xfrm>
+            <a:off x="1408901" y="1554192"/>
+            <a:ext cx="2390141" cy="769441"/>
+          </a:xfrm>
+          <a:prstGeom prst="rect">
+            <a:avLst/>
+          </a:prstGeom>
+          <a:noFill/>
+        </p:spPr>
+        <p:txBody>
+          <a:bodyPr wrap="none" rtlCol="0">
+            <a:spAutoFit/>
+          </a:bodyPr>
+          <a:lstStyle/>
+          <a:p>
+            <a:r>
+              <a:rPr lang="en-US" altLang="ja-JP" sz="4400" dirty="0" smtClean="0">
+                <a:ln>
+                  <a:solidFill>
+                    <a:srgbClr val="FF0000"/>
+                  </a:solidFill>
+                </a:ln>
+                <a:latin typeface="Arial Black" panose="020B0A04020102020204" pitchFamily="34" charset="0"/>
+              </a:rPr>
+              <a:t>FAILED</a:t>
+            </a:r>
+            <a:endParaRPr kumimoji="1" lang="ja-JP" altLang="en-US" sz="4400" dirty="0">
+              <a:ln>
+                <a:solidFill>
+                  <a:srgbClr val="FF0000"/>
+                </a:solidFill>
+              </a:ln>
+              <a:latin typeface="Arial Black" panose="020B0A04020102020204" pitchFamily="34" charset="0"/>
+            </a:endParaRPr>
+          </a:p>
+        </p:txBody>
+      </p:sp>
+      <p:sp>
+        <p:nvSpPr>
+          <p:cNvPr id="4" name="テキスト ボックス 3"/>
+          <p:cNvSpPr txBox="1"/>
+          <p:nvPr/>
+        </p:nvSpPr>
+        <p:spPr>
+          <a:xfrm>
+            <a:off x="2698154" y="3826720"/>
+            <a:ext cx="2454454" cy="769441"/>
+          </a:xfrm>
+          <a:prstGeom prst="rect">
+            <a:avLst/>
+          </a:prstGeom>
+          <a:noFill/>
+        </p:spPr>
+        <p:txBody>
+          <a:bodyPr wrap="none" rtlCol="0">
+            <a:spAutoFit/>
+          </a:bodyPr>
+          <a:lstStyle/>
+          <a:p>
+            <a:r>
+              <a:rPr lang="en-US" altLang="ja-JP" sz="4400" dirty="0" smtClean="0">
+                <a:ln>
+                  <a:solidFill>
+                    <a:srgbClr val="D544E0"/>
+                  </a:solidFill>
+                </a:ln>
+                <a:latin typeface="Arial Black" panose="020B0A04020102020204" pitchFamily="34" charset="0"/>
+              </a:rPr>
+              <a:t>RADY!?</a:t>
+            </a:r>
+            <a:endParaRPr kumimoji="1" lang="ja-JP" altLang="en-US" sz="4400" dirty="0">
+              <a:ln>
+                <a:solidFill>
+                  <a:srgbClr val="D544E0"/>
+                </a:solidFill>
+              </a:ln>
+              <a:latin typeface="Arial Black" panose="020B0A04020102020204" pitchFamily="34" charset="0"/>
+            </a:endParaRPr>
+          </a:p>
+        </p:txBody>
+      </p:sp>
+      <p:sp>
+        <p:nvSpPr>
+          <p:cNvPr id="5" name="テキスト ボックス 4"/>
+          <p:cNvSpPr txBox="1"/>
+          <p:nvPr/>
+        </p:nvSpPr>
+        <p:spPr>
+          <a:xfrm>
+            <a:off x="2698154" y="4471880"/>
+            <a:ext cx="1499128" cy="769441"/>
+          </a:xfrm>
+          <a:prstGeom prst="rect">
+            <a:avLst/>
+          </a:prstGeom>
+          <a:noFill/>
+        </p:spPr>
+        <p:txBody>
+          <a:bodyPr wrap="none" rtlCol="0">
+            <a:spAutoFit/>
+          </a:bodyPr>
+          <a:lstStyle/>
+          <a:p>
+            <a:r>
+              <a:rPr lang="en-US" altLang="ja-JP" sz="4400" dirty="0" smtClean="0">
+                <a:ln>
+                  <a:solidFill>
+                    <a:srgbClr val="D544E0"/>
+                  </a:solidFill>
+                </a:ln>
+                <a:latin typeface="Arial Black" panose="020B0A04020102020204" pitchFamily="34" charset="0"/>
+              </a:rPr>
+              <a:t>GO!!</a:t>
+            </a:r>
+          </a:p>
+        </p:txBody>
+      </p:sp>
+      <p:sp>
+        <p:nvSpPr>
+          <p:cNvPr id="6" name="テキスト ボックス 5"/>
+          <p:cNvSpPr txBox="1"/>
+          <p:nvPr/>
+        </p:nvSpPr>
+        <p:spPr>
+          <a:xfrm>
+            <a:off x="6008424" y="5134643"/>
+            <a:ext cx="1970411" cy="769441"/>
+          </a:xfrm>
+          <a:prstGeom prst="rect">
+            <a:avLst/>
+          </a:prstGeom>
+          <a:noFill/>
+        </p:spPr>
+        <p:txBody>
+          <a:bodyPr wrap="none" rtlCol="0">
+            <a:spAutoFit/>
+          </a:bodyPr>
+          <a:lstStyle/>
+          <a:p>
+            <a:r>
+              <a:rPr lang="en-US" altLang="ja-JP" sz="4400" dirty="0" smtClean="0">
+                <a:ln>
+                  <a:solidFill>
+                    <a:srgbClr val="92D050"/>
+                  </a:solidFill>
+                </a:ln>
+                <a:solidFill>
+                  <a:schemeClr val="bg1">
+                    <a:lumMod val="85000"/>
+                  </a:schemeClr>
+                </a:solidFill>
+                <a:latin typeface="Arial Black" panose="020B0A04020102020204" pitchFamily="34" charset="0"/>
+              </a:rPr>
+              <a:t>JUMP</a:t>
+            </a:r>
+          </a:p>
+        </p:txBody>
+      </p:sp>
+      <p:sp>
+        <p:nvSpPr>
+          <p:cNvPr id="7" name="テキスト ボックス 6"/>
+          <p:cNvSpPr txBox="1"/>
+          <p:nvPr/>
+        </p:nvSpPr>
+        <p:spPr>
+          <a:xfrm>
+            <a:off x="3348384" y="5365602"/>
+            <a:ext cx="1879041" cy="769441"/>
+          </a:xfrm>
+          <a:prstGeom prst="rect">
+            <a:avLst/>
+          </a:prstGeom>
+          <a:noFill/>
+        </p:spPr>
+        <p:txBody>
+          <a:bodyPr wrap="none" rtlCol="0">
+            <a:spAutoFit/>
+          </a:bodyPr>
+          <a:lstStyle/>
+          <a:p>
+            <a:r>
+              <a:rPr lang="en-US" altLang="ja-JP" sz="4400" dirty="0" smtClean="0">
+                <a:ln>
+                  <a:solidFill>
+                    <a:srgbClr val="FFC000"/>
+                  </a:solidFill>
+                </a:ln>
+                <a:latin typeface="Arial Black" panose="020B0A04020102020204" pitchFamily="34" charset="0"/>
+              </a:rPr>
+              <a:t>00:00</a:t>
+            </a:r>
+          </a:p>
+        </p:txBody>
+      </p:sp>
+      <p:sp>
+        <p:nvSpPr>
+          <p:cNvPr id="8" name="テキスト ボックス 7"/>
+          <p:cNvSpPr txBox="1"/>
+          <p:nvPr/>
+        </p:nvSpPr>
+        <p:spPr>
+          <a:xfrm>
+            <a:off x="3257761" y="6007509"/>
+            <a:ext cx="825867" cy="369332"/>
+          </a:xfrm>
+          <a:prstGeom prst="rect">
+            <a:avLst/>
+          </a:prstGeom>
+          <a:noFill/>
+        </p:spPr>
+        <p:txBody>
+          <a:bodyPr wrap="none" rtlCol="0">
+            <a:spAutoFit/>
+          </a:bodyPr>
+          <a:lstStyle/>
+          <a:p>
+            <a:r>
+              <a:rPr lang="en-US" altLang="ja-JP" dirty="0" smtClean="0">
+                <a:ln>
+                  <a:solidFill>
+                    <a:srgbClr val="FFC000"/>
+                  </a:solidFill>
+                </a:ln>
+                <a:latin typeface="Arial Black" panose="020B0A04020102020204" pitchFamily="34" charset="0"/>
+              </a:rPr>
+              <a:t>TIME</a:t>
+            </a:r>
+          </a:p>
+        </p:txBody>
+      </p:sp>
+      <p:sp>
+        <p:nvSpPr>
+          <p:cNvPr id="9" name="テキスト ボックス 8"/>
+          <p:cNvSpPr txBox="1"/>
+          <p:nvPr/>
+        </p:nvSpPr>
+        <p:spPr>
+          <a:xfrm>
+            <a:off x="3670694" y="6488668"/>
+            <a:ext cx="1069524" cy="369332"/>
+          </a:xfrm>
+          <a:prstGeom prst="rect">
+            <a:avLst/>
+          </a:prstGeom>
+          <a:noFill/>
+        </p:spPr>
+        <p:txBody>
+          <a:bodyPr wrap="none" rtlCol="0">
+            <a:spAutoFit/>
+          </a:bodyPr>
+          <a:lstStyle/>
+          <a:p>
+            <a:r>
+              <a:rPr lang="en-US" altLang="ja-JP" dirty="0" smtClean="0">
+                <a:ln>
+                  <a:solidFill>
+                    <a:srgbClr val="FFC000"/>
+                  </a:solidFill>
+                </a:ln>
+                <a:latin typeface="Arial Black" panose="020B0A04020102020204" pitchFamily="34" charset="0"/>
+              </a:rPr>
+              <a:t>SCORE</a:t>
+            </a:r>
+          </a:p>
+        </p:txBody>
+      </p:sp>
+      <p:sp>
+        <p:nvSpPr>
+          <p:cNvPr id="11" name="額縁 10"/>
+          <p:cNvSpPr/>
+          <p:nvPr/>
+        </p:nvSpPr>
+        <p:spPr>
+          <a:xfrm>
+            <a:off x="9170607" y="2746720"/>
+            <a:ext cx="1080000" cy="1080000"/>
+          </a:xfrm>
+          <a:prstGeom prst="bevel">
+            <a:avLst/>
+          </a:prstGeom>
+        </p:spPr>
+        <p:style>
+          <a:lnRef idx="2">
+            <a:schemeClr val="accent1">
+              <a:shade val="50000"/>
+            </a:schemeClr>
+          </a:lnRef>
+          <a:fillRef idx="1">
+            <a:schemeClr val="accent1"/>
+          </a:fillRef>
+          <a:effectRef idx="0">
+            <a:schemeClr val="accent1"/>
+          </a:effectRef>
+          <a:fontRef idx="minor">
+            <a:schemeClr val="lt1"/>
+          </a:fontRef>
+        </p:style>
+        <p:txBody>
+          <a:bodyPr rtlCol="0" anchor="ctr"/>
+          <a:lstStyle/>
+          <a:p>
+            <a:pPr algn="ctr"/>
+            <a:endParaRPr kumimoji="1" lang="ja-JP" altLang="en-US"/>
+          </a:p>
+        </p:txBody>
+      </p:sp>
+      <p:sp>
+        <p:nvSpPr>
+          <p:cNvPr id="12" name="楕円 11"/>
+          <p:cNvSpPr/>
+          <p:nvPr/>
+        </p:nvSpPr>
+        <p:spPr>
+          <a:xfrm>
+            <a:off x="5879805" y="1711842"/>
+            <a:ext cx="720000" cy="720000"/>
+          </a:xfrm>
+          <a:prstGeom prst="ellipse">
+            <a:avLst/>
+          </a:prstGeom>
+          <a:solidFill>
+            <a:schemeClr val="bg1">
+              <a:lumMod val="95000"/>
+            </a:schemeClr>
+          </a:solidFill>
+          <a:ln>
+            <a:solidFill>
+              <a:schemeClr val="tx1">
+                <a:lumMod val="95000"/>
+                <a:lumOff val="5000"/>
+              </a:schemeClr>
+            </a:solidFill>
+          </a:ln>
+        </p:spPr>
+        <p:style>
+          <a:lnRef idx="2">
+            <a:schemeClr val="accent1">
+              <a:shade val="50000"/>
+            </a:schemeClr>
+          </a:lnRef>
+          <a:fillRef idx="1">
+            <a:schemeClr val="accent1"/>
+          </a:fillRef>
+          <a:effectRef idx="0">
+            <a:schemeClr val="accent1"/>
+          </a:effectRef>
+          <a:fontRef idx="minor">
+            <a:schemeClr val="lt1"/>
+          </a:fontRef>
+        </p:style>
+        <p:txBody>
+          <a:bodyPr rtlCol="0" anchor="ctr"/>
+          <a:lstStyle/>
+          <a:p>
+            <a:pPr algn="ctr"/>
+            <a:endParaRPr kumimoji="1" lang="ja-JP" altLang="en-US"/>
+          </a:p>
+        </p:txBody>
+      </p:sp>
+      <p:sp>
+        <p:nvSpPr>
+          <p:cNvPr id="13" name="楕円 12"/>
+          <p:cNvSpPr/>
+          <p:nvPr/>
+        </p:nvSpPr>
+        <p:spPr>
+          <a:xfrm>
+            <a:off x="851307" y="4943244"/>
+            <a:ext cx="432000" cy="432000"/>
+          </a:xfrm>
+          <a:prstGeom prst="ellipse">
+            <a:avLst/>
+          </a:prstGeom>
+          <a:solidFill>
+            <a:schemeClr val="bg1">
+              <a:lumMod val="95000"/>
+            </a:schemeClr>
+          </a:solidFill>
+          <a:ln>
+            <a:solidFill>
+              <a:schemeClr val="tx1">
+                <a:lumMod val="95000"/>
+                <a:lumOff val="5000"/>
+              </a:schemeClr>
+            </a:solidFill>
+          </a:ln>
+        </p:spPr>
+        <p:style>
+          <a:lnRef idx="2">
+            <a:schemeClr val="accent1">
+              <a:shade val="50000"/>
+            </a:schemeClr>
+          </a:lnRef>
+          <a:fillRef idx="1">
+            <a:schemeClr val="accent1"/>
+          </a:fillRef>
+          <a:effectRef idx="0">
+            <a:schemeClr val="accent1"/>
+          </a:effectRef>
+          <a:fontRef idx="minor">
+            <a:schemeClr val="lt1"/>
+          </a:fontRef>
+        </p:style>
+        <p:txBody>
+          <a:bodyPr rtlCol="0" anchor="ctr"/>
+          <a:lstStyle/>
+          <a:p>
+            <a:pPr algn="ctr"/>
+            <a:endParaRPr kumimoji="1" lang="ja-JP" altLang="en-US"/>
+          </a:p>
+        </p:txBody>
+      </p:sp>
+      <p:sp>
+        <p:nvSpPr>
+          <p:cNvPr id="14" name="楕円 13"/>
+          <p:cNvSpPr/>
+          <p:nvPr/>
+        </p:nvSpPr>
+        <p:spPr>
+          <a:xfrm>
+            <a:off x="842986" y="5752214"/>
+            <a:ext cx="720000" cy="720000"/>
+          </a:xfrm>
+          <a:prstGeom prst="ellipse">
+            <a:avLst/>
+          </a:prstGeom>
+          <a:solidFill>
+            <a:schemeClr val="bg1">
+              <a:lumMod val="95000"/>
+            </a:schemeClr>
+          </a:solidFill>
+          <a:ln>
+            <a:solidFill>
+              <a:schemeClr val="tx1">
+                <a:lumMod val="95000"/>
+                <a:lumOff val="5000"/>
+              </a:schemeClr>
+            </a:solidFill>
+          </a:ln>
+        </p:spPr>
+        <p:style>
+          <a:lnRef idx="2">
+            <a:schemeClr val="accent1">
+              <a:shade val="50000"/>
+            </a:schemeClr>
+          </a:lnRef>
+          <a:fillRef idx="1">
+            <a:schemeClr val="accent1"/>
+          </a:fillRef>
+          <a:effectRef idx="0">
+            <a:schemeClr val="accent1"/>
+          </a:effectRef>
+          <a:fontRef idx="minor">
+            <a:schemeClr val="lt1"/>
+          </a:fontRef>
+        </p:style>
+        <p:txBody>
+          <a:bodyPr rtlCol="0" anchor="ctr"/>
+          <a:lstStyle/>
+          <a:p>
+            <a:pPr algn="ctr"/>
+            <a:endParaRPr kumimoji="1" lang="ja-JP" altLang="en-US"/>
+          </a:p>
+        </p:txBody>
+      </p:sp>
+      <p:sp>
+        <p:nvSpPr>
+          <p:cNvPr id="15" name="楕円 14"/>
+          <p:cNvSpPr/>
+          <p:nvPr/>
+        </p:nvSpPr>
+        <p:spPr>
+          <a:xfrm>
+            <a:off x="1657862" y="5720317"/>
+            <a:ext cx="720000" cy="720000"/>
+          </a:xfrm>
+          <a:prstGeom prst="ellipse">
+            <a:avLst/>
+          </a:prstGeom>
+          <a:solidFill>
+            <a:schemeClr val="bg1">
+              <a:lumMod val="95000"/>
+            </a:schemeClr>
+          </a:solidFill>
+          <a:ln>
+            <a:solidFill>
+              <a:schemeClr val="tx1">
+                <a:lumMod val="95000"/>
+                <a:lumOff val="5000"/>
+              </a:schemeClr>
+            </a:solidFill>
+          </a:ln>
+        </p:spPr>
+        <p:style>
+          <a:lnRef idx="2">
+            <a:schemeClr val="accent1">
+              <a:shade val="50000"/>
+            </a:schemeClr>
+          </a:lnRef>
+          <a:fillRef idx="1">
+            <a:schemeClr val="accent1"/>
+          </a:fillRef>
+          <a:effectRef idx="0">
+            <a:schemeClr val="accent1"/>
+          </a:effectRef>
+          <a:fontRef idx="minor">
+            <a:schemeClr val="lt1"/>
+          </a:fontRef>
+        </p:style>
+        <p:txBody>
+          <a:bodyPr rtlCol="0" anchor="ctr"/>
+          <a:lstStyle/>
+          <a:p>
+            <a:pPr algn="ctr"/>
+            <a:endParaRPr kumimoji="1" lang="ja-JP" altLang="en-US"/>
+          </a:p>
+        </p:txBody>
+      </p:sp>
+      <p:sp>
+        <p:nvSpPr>
+          <p:cNvPr id="16" name="楕円 15"/>
+          <p:cNvSpPr/>
+          <p:nvPr/>
+        </p:nvSpPr>
+        <p:spPr>
+          <a:xfrm>
+            <a:off x="57400" y="5753008"/>
+            <a:ext cx="720000" cy="720000"/>
+          </a:xfrm>
+          <a:prstGeom prst="ellipse">
+            <a:avLst/>
+          </a:prstGeom>
+          <a:solidFill>
+            <a:schemeClr val="bg1">
+              <a:lumMod val="95000"/>
+            </a:schemeClr>
+          </a:solidFill>
+          <a:ln>
+            <a:solidFill>
+              <a:schemeClr val="tx1">
+                <a:lumMod val="95000"/>
+                <a:lumOff val="5000"/>
+              </a:schemeClr>
+            </a:solidFill>
+          </a:ln>
+        </p:spPr>
+        <p:style>
+          <a:lnRef idx="2">
+            <a:schemeClr val="accent1">
+              <a:shade val="50000"/>
+            </a:schemeClr>
+          </a:lnRef>
+          <a:fillRef idx="1">
+            <a:schemeClr val="accent1"/>
+          </a:fillRef>
+          <a:effectRef idx="0">
+            <a:schemeClr val="accent1"/>
+          </a:effectRef>
+          <a:fontRef idx="minor">
+            <a:schemeClr val="lt1"/>
+          </a:fontRef>
+        </p:style>
+        <p:txBody>
+          <a:bodyPr rtlCol="0" anchor="ctr"/>
+          <a:lstStyle/>
+          <a:p>
+            <a:pPr algn="ctr"/>
+            <a:endParaRPr kumimoji="1" lang="ja-JP" altLang="en-US"/>
+          </a:p>
+        </p:txBody>
+      </p:sp>
+      <p:sp>
+        <p:nvSpPr>
+          <p:cNvPr id="10" name="テキスト ボックス 9"/>
+          <p:cNvSpPr txBox="1"/>
+          <p:nvPr/>
+        </p:nvSpPr>
+        <p:spPr>
+          <a:xfrm>
+            <a:off x="851307" y="4975134"/>
+            <a:ext cx="441146" cy="400110"/>
+          </a:xfrm>
+          <a:prstGeom prst="rect">
+            <a:avLst/>
+          </a:prstGeom>
+          <a:noFill/>
+        </p:spPr>
+        <p:txBody>
+          <a:bodyPr wrap="none" rtlCol="0">
+            <a:spAutoFit/>
+          </a:bodyPr>
+          <a:lstStyle/>
+          <a:p>
+            <a:r>
+              <a:rPr lang="en-US" altLang="ja-JP" sz="2000" dirty="0" smtClean="0">
+                <a:ln>
+                  <a:solidFill>
+                    <a:schemeClr val="accent1">
+                      <a:lumMod val="50000"/>
+                    </a:schemeClr>
+                  </a:solidFill>
+                </a:ln>
+                <a:latin typeface="Arial Black" panose="020B0A04020102020204" pitchFamily="34" charset="0"/>
+              </a:rPr>
+              <a:t>W</a:t>
+            </a:r>
+          </a:p>
+        </p:txBody>
+      </p:sp>
+    </p:spTree>
+    <p:extLst>
+      <p:ext uri="{BB962C8B-B14F-4D97-AF65-F5344CB8AC3E}">
+        <p14:creationId xmlns:p14="http://schemas.microsoft.com/office/powerpoint/2010/main" val="1443452654"/>
+      </p:ext>
+    </p:extLst>
+  </p:cSld>
+  <p:clrMapOvr>
+    <a:masterClrMapping/>
+  </p:clrMapOvr>
+</p:sld>
+</file>
+
+<file path=ppt/slides/slide4.xml><?xml version="1.0" encoding="utf-8"?>
+<p:sld xmlns:a="http://schemas.openxmlformats.org/drawingml/2006/main" xmlns:r="http://schemas.openxmlformats.org/officeDocument/2006/relationships" xmlns:p="http://schemas.openxmlformats.org/presentationml/2006/main">
+  <p:cSld>
+    <p:spTree>
+      <p:nvGrpSpPr>
+        <p:cNvPr id="1" name=""/>
+        <p:cNvGrpSpPr/>
+        <p:nvPr/>
+      </p:nvGrpSpPr>
+      <p:grpSpPr>
+        <a:xfrm>
+          <a:off x="0" y="0"/>
+          <a:ext cx="0" cy="0"/>
+          <a:chOff x="0" y="0"/>
+          <a:chExt cx="0" cy="0"/>
+        </a:xfrm>
+      </p:grpSpPr>
+      <p:pic>
+        <p:nvPicPr>
+          <p:cNvPr id="2" name="図 1"/>
+          <p:cNvPicPr>
+            <a:picLocks noChangeAspect="1"/>
+          </p:cNvPicPr>
+          <p:nvPr/>
+        </p:nvPicPr>
+        <p:blipFill>
+          <a:blip r:embed="rId2"/>
+          <a:stretch>
+            <a:fillRect/>
+          </a:stretch>
+        </p:blipFill>
+        <p:spPr>
+          <a:xfrm>
+            <a:off x="3912" y="9047"/>
+            <a:ext cx="12184175" cy="6839905"/>
+          </a:xfrm>
+          <a:prstGeom prst="rect">
+            <a:avLst/>
+          </a:prstGeom>
+        </p:spPr>
+      </p:pic>
+      <p:sp>
+        <p:nvSpPr>
+          <p:cNvPr id="3" name="平行四辺形 2"/>
+          <p:cNvSpPr/>
+          <p:nvPr/>
+        </p:nvSpPr>
+        <p:spPr>
+          <a:xfrm>
+            <a:off x="3602664" y="5752214"/>
+            <a:ext cx="4986670" cy="393405"/>
+          </a:xfrm>
+          <a:prstGeom prst="parallelogram">
+            <a:avLst/>
+          </a:prstGeom>
+          <a:solidFill>
+            <a:schemeClr val="bg1"/>
+          </a:solidFill>
+          <a:ln>
+            <a:solidFill>
+              <a:srgbClr val="92D050"/>
+            </a:solidFill>
+          </a:ln>
+        </p:spPr>
+        <p:style>
+          <a:lnRef idx="2">
+            <a:schemeClr val="accent1">
+              <a:shade val="50000"/>
+            </a:schemeClr>
+          </a:lnRef>
+          <a:fillRef idx="1">
+            <a:schemeClr val="accent1"/>
+          </a:fillRef>
+          <a:effectRef idx="0">
+            <a:schemeClr val="accent1"/>
+          </a:effectRef>
+          <a:fontRef idx="minor">
+            <a:schemeClr val="lt1"/>
+          </a:fontRef>
+        </p:style>
+        <p:txBody>
+          <a:bodyPr rtlCol="0" anchor="ctr"/>
+          <a:lstStyle/>
+          <a:p>
+            <a:pPr algn="ctr"/>
+            <a:endParaRPr kumimoji="1" lang="ja-JP" altLang="en-US"/>
+          </a:p>
+        </p:txBody>
+      </p:sp>
+      <p:sp>
+        <p:nvSpPr>
+          <p:cNvPr id="4" name="平行四辺形 3"/>
+          <p:cNvSpPr/>
+          <p:nvPr/>
+        </p:nvSpPr>
+        <p:spPr>
+          <a:xfrm>
+            <a:off x="3602664" y="5752214"/>
+            <a:ext cx="2946992" cy="393405"/>
+          </a:xfrm>
+          <a:prstGeom prst="parallelogram">
+            <a:avLst/>
+          </a:prstGeom>
+          <a:solidFill>
+            <a:srgbClr val="92D050"/>
+          </a:solidFill>
+          <a:ln>
+            <a:solidFill>
+              <a:srgbClr val="92D050"/>
+            </a:solidFill>
+          </a:ln>
+        </p:spPr>
+        <p:style>
+          <a:lnRef idx="2">
+            <a:schemeClr val="accent1">
+              <a:shade val="50000"/>
+            </a:schemeClr>
+          </a:lnRef>
+          <a:fillRef idx="1">
+            <a:schemeClr val="accent1"/>
+          </a:fillRef>
+          <a:effectRef idx="0">
+            <a:schemeClr val="accent1"/>
+          </a:effectRef>
+          <a:fontRef idx="minor">
+            <a:schemeClr val="lt1"/>
+          </a:fontRef>
+        </p:style>
+        <p:txBody>
+          <a:bodyPr rtlCol="0" anchor="ctr"/>
+          <a:lstStyle/>
+          <a:p>
+            <a:pPr algn="ctr"/>
+            <a:endParaRPr kumimoji="1" lang="ja-JP" altLang="en-US"/>
+          </a:p>
+        </p:txBody>
+      </p:sp>
+      <p:sp>
+        <p:nvSpPr>
+          <p:cNvPr id="5" name="テキスト ボックス 4"/>
+          <p:cNvSpPr txBox="1"/>
+          <p:nvPr/>
+        </p:nvSpPr>
+        <p:spPr>
+          <a:xfrm>
+            <a:off x="3602664" y="5478579"/>
+            <a:ext cx="915635" cy="369332"/>
+          </a:xfrm>
+          <a:prstGeom prst="rect">
+            <a:avLst/>
+          </a:prstGeom>
+          <a:noFill/>
+        </p:spPr>
+        <p:txBody>
+          <a:bodyPr wrap="none" rtlCol="0">
+            <a:spAutoFit/>
+          </a:bodyPr>
+          <a:lstStyle/>
+          <a:p>
+            <a:r>
+              <a:rPr lang="en-US" altLang="ja-JP" dirty="0" smtClean="0">
+                <a:ln>
+                  <a:solidFill>
+                    <a:srgbClr val="92D050"/>
+                  </a:solidFill>
+                </a:ln>
+                <a:latin typeface="Arial Black" panose="020B0A04020102020204" pitchFamily="34" charset="0"/>
+              </a:rPr>
+              <a:t>JUMP</a:t>
+            </a:r>
+          </a:p>
+        </p:txBody>
+      </p:sp>
+      <p:sp>
+        <p:nvSpPr>
+          <p:cNvPr id="6" name="テキスト ボックス 5"/>
+          <p:cNvSpPr txBox="1"/>
+          <p:nvPr/>
+        </p:nvSpPr>
+        <p:spPr>
+          <a:xfrm>
+            <a:off x="9749184" y="410830"/>
+            <a:ext cx="1879041" cy="769441"/>
+          </a:xfrm>
+          <a:prstGeom prst="rect">
+            <a:avLst/>
+          </a:prstGeom>
+          <a:noFill/>
+        </p:spPr>
+        <p:txBody>
+          <a:bodyPr wrap="none" rtlCol="0">
+            <a:spAutoFit/>
+          </a:bodyPr>
+          <a:lstStyle/>
+          <a:p>
+            <a:r>
+              <a:rPr lang="en-US" altLang="ja-JP" sz="4400" dirty="0" smtClean="0">
+                <a:ln>
+                  <a:solidFill>
+                    <a:srgbClr val="FFC000"/>
+                  </a:solidFill>
+                </a:ln>
+                <a:latin typeface="Arial Black" panose="020B0A04020102020204" pitchFamily="34" charset="0"/>
+              </a:rPr>
+              <a:t>00:00</a:t>
+            </a:r>
+          </a:p>
+        </p:txBody>
+      </p:sp>
+      <p:sp>
+        <p:nvSpPr>
+          <p:cNvPr id="7" name="テキスト ボックス 6"/>
+          <p:cNvSpPr txBox="1"/>
+          <p:nvPr/>
+        </p:nvSpPr>
+        <p:spPr>
+          <a:xfrm>
+            <a:off x="10720603" y="258063"/>
+            <a:ext cx="825867" cy="369332"/>
+          </a:xfrm>
+          <a:prstGeom prst="rect">
+            <a:avLst/>
+          </a:prstGeom>
+          <a:noFill/>
+        </p:spPr>
+        <p:txBody>
+          <a:bodyPr wrap="none" rtlCol="0">
+            <a:spAutoFit/>
+          </a:bodyPr>
+          <a:lstStyle/>
+          <a:p>
+            <a:r>
+              <a:rPr lang="en-US" altLang="ja-JP" dirty="0" smtClean="0">
+                <a:ln>
+                  <a:solidFill>
+                    <a:srgbClr val="FFC000"/>
+                  </a:solidFill>
+                </a:ln>
+                <a:latin typeface="Arial Black" panose="020B0A04020102020204" pitchFamily="34" charset="0"/>
+              </a:rPr>
+              <a:t>TIME</a:t>
+            </a:r>
+          </a:p>
+        </p:txBody>
+      </p:sp>
+      <p:sp>
+        <p:nvSpPr>
+          <p:cNvPr id="8" name="テキスト ボックス 7"/>
+          <p:cNvSpPr txBox="1"/>
+          <p:nvPr/>
+        </p:nvSpPr>
+        <p:spPr>
+          <a:xfrm>
+            <a:off x="360104" y="258063"/>
+            <a:ext cx="1069524" cy="369332"/>
+          </a:xfrm>
+          <a:prstGeom prst="rect">
+            <a:avLst/>
+          </a:prstGeom>
+          <a:noFill/>
+        </p:spPr>
+        <p:txBody>
+          <a:bodyPr wrap="none" rtlCol="0">
+            <a:spAutoFit/>
+          </a:bodyPr>
+          <a:lstStyle/>
+          <a:p>
+            <a:r>
+              <a:rPr lang="en-US" altLang="ja-JP" dirty="0" smtClean="0">
+                <a:ln>
+                  <a:solidFill>
+                    <a:srgbClr val="FFC000"/>
+                  </a:solidFill>
+                </a:ln>
+                <a:latin typeface="Arial Black" panose="020B0A04020102020204" pitchFamily="34" charset="0"/>
+              </a:rPr>
+              <a:t>SCORE</a:t>
+            </a:r>
+          </a:p>
+        </p:txBody>
+      </p:sp>
+      <p:sp>
+        <p:nvSpPr>
+          <p:cNvPr id="9" name="テキスト ボックス 8"/>
+          <p:cNvSpPr txBox="1"/>
+          <p:nvPr/>
+        </p:nvSpPr>
+        <p:spPr>
+          <a:xfrm>
+            <a:off x="608728" y="410829"/>
+            <a:ext cx="1314784" cy="769441"/>
+          </a:xfrm>
+          <a:prstGeom prst="rect">
+            <a:avLst/>
+          </a:prstGeom>
+          <a:noFill/>
+        </p:spPr>
+        <p:txBody>
+          <a:bodyPr wrap="none" rtlCol="0">
+            <a:spAutoFit/>
+          </a:bodyPr>
+          <a:lstStyle/>
+          <a:p>
+            <a:r>
+              <a:rPr lang="en-US" altLang="ja-JP" sz="4400" dirty="0" smtClean="0">
+                <a:ln>
+                  <a:solidFill>
+                    <a:srgbClr val="FFC000"/>
+                  </a:solidFill>
+                </a:ln>
+                <a:latin typeface="Arial Black" panose="020B0A04020102020204" pitchFamily="34" charset="0"/>
+              </a:rPr>
+              <a:t>100</a:t>
+            </a:r>
+          </a:p>
+        </p:txBody>
+      </p:sp>
+      <p:sp>
+        <p:nvSpPr>
+          <p:cNvPr id="10" name="テキスト ボックス 9"/>
+          <p:cNvSpPr txBox="1"/>
+          <p:nvPr/>
+        </p:nvSpPr>
+        <p:spPr>
+          <a:xfrm>
+            <a:off x="4385044" y="2875001"/>
+            <a:ext cx="3590983" cy="1107996"/>
+          </a:xfrm>
+          <a:prstGeom prst="rect">
+            <a:avLst/>
+          </a:prstGeom>
+          <a:noFill/>
+        </p:spPr>
+        <p:txBody>
+          <a:bodyPr wrap="none" rtlCol="0">
+            <a:spAutoFit/>
+          </a:bodyPr>
+          <a:lstStyle/>
+          <a:p>
+            <a:r>
+              <a:rPr lang="en-US" altLang="ja-JP" sz="6600" dirty="0" smtClean="0">
+                <a:ln>
+                  <a:solidFill>
+                    <a:srgbClr val="D544E0"/>
+                  </a:solidFill>
+                </a:ln>
+                <a:latin typeface="Arial Black" panose="020B0A04020102020204" pitchFamily="34" charset="0"/>
+              </a:rPr>
+              <a:t>RADY!?</a:t>
+            </a:r>
+            <a:endParaRPr kumimoji="1" lang="ja-JP" altLang="en-US" sz="6600" dirty="0">
+              <a:ln>
+                <a:solidFill>
+                  <a:srgbClr val="D544E0"/>
+                </a:solidFill>
+              </a:ln>
+              <a:latin typeface="Arial Black" panose="020B0A04020102020204" pitchFamily="34" charset="0"/>
+            </a:endParaRPr>
+          </a:p>
+        </p:txBody>
+      </p:sp>
+      <p:sp>
+        <p:nvSpPr>
+          <p:cNvPr id="11" name="テキスト ボックス 10"/>
+          <p:cNvSpPr txBox="1"/>
+          <p:nvPr/>
+        </p:nvSpPr>
+        <p:spPr>
+          <a:xfrm>
+            <a:off x="5016217" y="3488583"/>
+            <a:ext cx="2159566" cy="1107996"/>
+          </a:xfrm>
+          <a:prstGeom prst="rect">
+            <a:avLst/>
+          </a:prstGeom>
+          <a:noFill/>
+        </p:spPr>
+        <p:txBody>
+          <a:bodyPr wrap="none" rtlCol="0">
+            <a:spAutoFit/>
+          </a:bodyPr>
+          <a:lstStyle/>
+          <a:p>
+            <a:r>
+              <a:rPr lang="en-US" altLang="ja-JP" sz="6600" dirty="0" smtClean="0">
+                <a:ln>
+                  <a:solidFill>
+                    <a:srgbClr val="D544E0"/>
+                  </a:solidFill>
+                </a:ln>
+                <a:latin typeface="Arial Black" panose="020B0A04020102020204" pitchFamily="34" charset="0"/>
+              </a:rPr>
+              <a:t>GO!!</a:t>
+            </a:r>
+          </a:p>
+        </p:txBody>
+      </p:sp>
+      <p:sp>
+        <p:nvSpPr>
+          <p:cNvPr id="22" name="楕円 21"/>
+          <p:cNvSpPr/>
+          <p:nvPr/>
+        </p:nvSpPr>
+        <p:spPr>
+          <a:xfrm>
+            <a:off x="1260437" y="5113364"/>
+            <a:ext cx="432000" cy="432000"/>
+          </a:xfrm>
+          <a:prstGeom prst="ellipse">
+            <a:avLst/>
+          </a:prstGeom>
+          <a:solidFill>
+            <a:schemeClr val="bg1">
+              <a:lumMod val="95000"/>
+            </a:schemeClr>
+          </a:solidFill>
+          <a:ln>
+            <a:solidFill>
+              <a:schemeClr val="tx1">
+                <a:lumMod val="95000"/>
+                <a:lumOff val="5000"/>
+              </a:schemeClr>
+            </a:solidFill>
+          </a:ln>
+        </p:spPr>
+        <p:style>
+          <a:lnRef idx="2">
+            <a:schemeClr val="accent1">
+              <a:shade val="50000"/>
+            </a:schemeClr>
+          </a:lnRef>
+          <a:fillRef idx="1">
+            <a:schemeClr val="accent1"/>
+          </a:fillRef>
+          <a:effectRef idx="0">
+            <a:schemeClr val="accent1"/>
+          </a:effectRef>
+          <a:fontRef idx="minor">
+            <a:schemeClr val="lt1"/>
+          </a:fontRef>
+        </p:style>
+        <p:txBody>
+          <a:bodyPr rtlCol="0" anchor="ctr"/>
+          <a:lstStyle/>
+          <a:p>
+            <a:pPr algn="ctr"/>
+            <a:endParaRPr kumimoji="1" lang="ja-JP" altLang="en-US"/>
+          </a:p>
+        </p:txBody>
+      </p:sp>
+      <p:sp>
+        <p:nvSpPr>
+          <p:cNvPr id="23" name="楕円 22"/>
+          <p:cNvSpPr/>
+          <p:nvPr/>
+        </p:nvSpPr>
+        <p:spPr>
+          <a:xfrm>
+            <a:off x="765889" y="5593849"/>
+            <a:ext cx="432000" cy="432000"/>
+          </a:xfrm>
+          <a:prstGeom prst="ellipse">
+            <a:avLst/>
+          </a:prstGeom>
+          <a:solidFill>
+            <a:schemeClr val="bg1">
+              <a:lumMod val="95000"/>
+            </a:schemeClr>
+          </a:solidFill>
+          <a:ln>
+            <a:solidFill>
+              <a:schemeClr val="tx1">
+                <a:lumMod val="95000"/>
+                <a:lumOff val="5000"/>
+              </a:schemeClr>
+            </a:solidFill>
+          </a:ln>
+        </p:spPr>
+        <p:style>
+          <a:lnRef idx="2">
+            <a:schemeClr val="accent1">
+              <a:shade val="50000"/>
+            </a:schemeClr>
+          </a:lnRef>
+          <a:fillRef idx="1">
+            <a:schemeClr val="accent1"/>
+          </a:fillRef>
+          <a:effectRef idx="0">
+            <a:schemeClr val="accent1"/>
+          </a:effectRef>
+          <a:fontRef idx="minor">
+            <a:schemeClr val="lt1"/>
+          </a:fontRef>
+        </p:style>
+        <p:txBody>
+          <a:bodyPr rtlCol="0" anchor="ctr"/>
+          <a:lstStyle/>
+          <a:p>
+            <a:pPr algn="ctr"/>
+            <a:endParaRPr kumimoji="1" lang="ja-JP" altLang="en-US"/>
+          </a:p>
+        </p:txBody>
+      </p:sp>
+      <p:sp>
+        <p:nvSpPr>
+          <p:cNvPr id="24" name="楕円 23"/>
+          <p:cNvSpPr/>
+          <p:nvPr/>
+        </p:nvSpPr>
+        <p:spPr>
+          <a:xfrm>
+            <a:off x="1260437" y="6098239"/>
+            <a:ext cx="432000" cy="432000"/>
+          </a:xfrm>
+          <a:prstGeom prst="ellipse">
+            <a:avLst/>
+          </a:prstGeom>
+          <a:solidFill>
+            <a:schemeClr val="bg1">
+              <a:lumMod val="95000"/>
+            </a:schemeClr>
+          </a:solidFill>
+          <a:ln>
+            <a:solidFill>
+              <a:schemeClr val="tx1">
+                <a:lumMod val="95000"/>
+                <a:lumOff val="5000"/>
+              </a:schemeClr>
+            </a:solidFill>
+          </a:ln>
+        </p:spPr>
+        <p:style>
+          <a:lnRef idx="2">
+            <a:schemeClr val="accent1">
+              <a:shade val="50000"/>
+            </a:schemeClr>
+          </a:lnRef>
+          <a:fillRef idx="1">
+            <a:schemeClr val="accent1"/>
+          </a:fillRef>
+          <a:effectRef idx="0">
+            <a:schemeClr val="accent1"/>
+          </a:effectRef>
+          <a:fontRef idx="minor">
+            <a:schemeClr val="lt1"/>
+          </a:fontRef>
+        </p:style>
+        <p:txBody>
+          <a:bodyPr rtlCol="0" anchor="ctr"/>
+          <a:lstStyle/>
+          <a:p>
+            <a:pPr algn="ctr"/>
+            <a:endParaRPr kumimoji="1" lang="ja-JP" altLang="en-US"/>
+          </a:p>
+        </p:txBody>
+      </p:sp>
+      <p:sp>
+        <p:nvSpPr>
+          <p:cNvPr id="25" name="楕円 24"/>
+          <p:cNvSpPr/>
+          <p:nvPr/>
+        </p:nvSpPr>
+        <p:spPr>
+          <a:xfrm>
+            <a:off x="1749567" y="5593849"/>
+            <a:ext cx="432000" cy="432000"/>
+          </a:xfrm>
+          <a:prstGeom prst="ellipse">
+            <a:avLst/>
+          </a:prstGeom>
+          <a:solidFill>
+            <a:schemeClr val="bg1">
+              <a:lumMod val="95000"/>
+            </a:schemeClr>
+          </a:solidFill>
+          <a:ln>
+            <a:solidFill>
+              <a:schemeClr val="tx1">
+                <a:lumMod val="95000"/>
+                <a:lumOff val="5000"/>
+              </a:schemeClr>
+            </a:solidFill>
+          </a:ln>
+        </p:spPr>
+        <p:style>
+          <a:lnRef idx="2">
+            <a:schemeClr val="accent1">
+              <a:shade val="50000"/>
+            </a:schemeClr>
+          </a:lnRef>
+          <a:fillRef idx="1">
+            <a:schemeClr val="accent1"/>
+          </a:fillRef>
+          <a:effectRef idx="0">
+            <a:schemeClr val="accent1"/>
+          </a:effectRef>
+          <a:fontRef idx="minor">
+            <a:schemeClr val="lt1"/>
+          </a:fontRef>
+        </p:style>
+        <p:txBody>
+          <a:bodyPr rtlCol="0" anchor="ctr"/>
+          <a:lstStyle/>
+          <a:p>
+            <a:pPr algn="ctr"/>
+            <a:endParaRPr kumimoji="1" lang="ja-JP" altLang="en-US"/>
+          </a:p>
+        </p:txBody>
+      </p:sp>
+      <p:pic>
+        <p:nvPicPr>
+          <p:cNvPr id="26" name="図 25"/>
+          <p:cNvPicPr>
+            <a:picLocks noChangeAspect="1"/>
+          </p:cNvPicPr>
+          <p:nvPr/>
+        </p:nvPicPr>
+        <p:blipFill>
+          <a:blip r:embed="rId3">
+            <a:extLst>
+              <a:ext uri="{28A0092B-C50C-407E-A947-70E740481C1C}">
+                <a14:useLocalDpi xmlns:a14="http://schemas.microsoft.com/office/drawing/2010/main" val="0"/>
+              </a:ext>
+            </a:extLst>
+          </a:blip>
+          <a:stretch>
+            <a:fillRect/>
+          </a:stretch>
+        </p:blipFill>
+        <p:spPr>
+          <a:xfrm>
+            <a:off x="1312640" y="5633079"/>
+            <a:ext cx="310870" cy="353539"/>
+          </a:xfrm>
+          <a:prstGeom prst="rect">
+            <a:avLst/>
+          </a:prstGeom>
+        </p:spPr>
+      </p:pic>
+      <p:sp>
+        <p:nvSpPr>
+          <p:cNvPr id="27" name="テキスト ボックス 26"/>
+          <p:cNvSpPr txBox="1"/>
+          <p:nvPr/>
+        </p:nvSpPr>
+        <p:spPr>
+          <a:xfrm>
+            <a:off x="1260437" y="5145254"/>
+            <a:ext cx="441146" cy="400110"/>
+          </a:xfrm>
+          <a:prstGeom prst="rect">
+            <a:avLst/>
+          </a:prstGeom>
+          <a:noFill/>
+        </p:spPr>
+        <p:txBody>
+          <a:bodyPr wrap="none" rtlCol="0">
+            <a:spAutoFit/>
+          </a:bodyPr>
+          <a:lstStyle/>
+          <a:p>
+            <a:r>
+              <a:rPr lang="en-US" altLang="ja-JP" sz="2000" dirty="0" smtClean="0">
+                <a:ln>
+                  <a:solidFill>
+                    <a:schemeClr val="accent1">
+                      <a:lumMod val="50000"/>
+                    </a:schemeClr>
+                  </a:solidFill>
+                </a:ln>
+                <a:latin typeface="Arial Black" panose="020B0A04020102020204" pitchFamily="34" charset="0"/>
+              </a:rPr>
+              <a:t>W</a:t>
+            </a:r>
+          </a:p>
+        </p:txBody>
+      </p:sp>
+      <p:sp>
+        <p:nvSpPr>
+          <p:cNvPr id="28" name="テキスト ボックス 27"/>
+          <p:cNvSpPr txBox="1"/>
+          <p:nvPr/>
+        </p:nvSpPr>
+        <p:spPr>
+          <a:xfrm>
+            <a:off x="790170" y="5609793"/>
+            <a:ext cx="383438" cy="400110"/>
+          </a:xfrm>
+          <a:prstGeom prst="rect">
+            <a:avLst/>
+          </a:prstGeom>
+          <a:noFill/>
+        </p:spPr>
+        <p:txBody>
+          <a:bodyPr wrap="none" rtlCol="0">
+            <a:spAutoFit/>
+          </a:bodyPr>
+          <a:lstStyle/>
+          <a:p>
+            <a:r>
+              <a:rPr lang="en-US" altLang="ja-JP" sz="2000" dirty="0" smtClean="0">
+                <a:ln>
+                  <a:solidFill>
+                    <a:schemeClr val="accent1">
+                      <a:lumMod val="50000"/>
+                    </a:schemeClr>
+                  </a:solidFill>
+                </a:ln>
+                <a:latin typeface="Arial Black" panose="020B0A04020102020204" pitchFamily="34" charset="0"/>
+              </a:rPr>
+              <a:t>A</a:t>
+            </a:r>
+          </a:p>
+        </p:txBody>
+      </p:sp>
+      <p:sp>
+        <p:nvSpPr>
+          <p:cNvPr id="29" name="テキスト ボックス 28"/>
+          <p:cNvSpPr txBox="1"/>
+          <p:nvPr/>
+        </p:nvSpPr>
+        <p:spPr>
+          <a:xfrm>
+            <a:off x="942570" y="5762193"/>
+            <a:ext cx="184731" cy="400110"/>
+          </a:xfrm>
+          <a:prstGeom prst="rect">
+            <a:avLst/>
+          </a:prstGeom>
+          <a:noFill/>
+        </p:spPr>
+        <p:txBody>
+          <a:bodyPr wrap="none" rtlCol="0">
+            <a:spAutoFit/>
+          </a:bodyPr>
+          <a:lstStyle/>
+          <a:p>
+            <a:endParaRPr lang="en-US" altLang="ja-JP" sz="2000" dirty="0" smtClean="0">
+              <a:ln>
+                <a:solidFill>
+                  <a:schemeClr val="accent1">
+                    <a:lumMod val="50000"/>
+                  </a:schemeClr>
+                </a:solidFill>
+              </a:ln>
+              <a:latin typeface="Arial Black" panose="020B0A04020102020204" pitchFamily="34" charset="0"/>
+            </a:endParaRPr>
+          </a:p>
+        </p:txBody>
+      </p:sp>
+    </p:spTree>
+    <p:extLst>
+      <p:ext uri="{BB962C8B-B14F-4D97-AF65-F5344CB8AC3E}">
+        <p14:creationId xmlns:p14="http://schemas.microsoft.com/office/powerpoint/2010/main" val="1266639072"/>
+      </p:ext>
+    </p:extLst>
+  </p:cSld>
+  <p:clrMapOvr>
+    <a:masterClrMapping/>
+  </p:clrMapOvr>
+</p:sld>
+</file>
+
 <file path=ppt/theme/theme1.xml><?xml version="1.0" encoding="utf-8"?>
 <a:theme xmlns:a="http://schemas.openxmlformats.org/drawingml/2006/main" name="Office テーマ">
   <a:themeElements>
